--- a/Slides/Unit 1/CS8392_U1_Packages.pptx
+++ b/Slides/Unit 1/CS8392_U1_Packages.pptx
@@ -5,7 +5,7 @@
     <p:sldMasterId id="2147483648" r:id="rId1"/>
   </p:sldMasterIdLst>
   <p:notesMasterIdLst>
-    <p:notesMasterId r:id="rId12"/>
+    <p:notesMasterId r:id="rId17"/>
   </p:notesMasterIdLst>
   <p:sldIdLst>
     <p:sldId id="256" r:id="rId2"/>
@@ -17,7 +17,12 @@
     <p:sldId id="278" r:id="rId8"/>
     <p:sldId id="279" r:id="rId9"/>
     <p:sldId id="280" r:id="rId10"/>
-    <p:sldId id="272" r:id="rId11"/>
+    <p:sldId id="281" r:id="rId11"/>
+    <p:sldId id="282" r:id="rId12"/>
+    <p:sldId id="283" r:id="rId13"/>
+    <p:sldId id="284" r:id="rId14"/>
+    <p:sldId id="285" r:id="rId15"/>
+    <p:sldId id="272" r:id="rId16"/>
   </p:sldIdLst>
   <p:sldSz cx="9144000" cy="6858000" type="screen4x3"/>
   <p:notesSz cx="6858000" cy="9144000"/>
@@ -4173,7 +4178,7 @@
             <a:fld id="{9515075B-F3F0-4441-A1BD-B7B515B708FF}" type="datetimeFigureOut">
               <a:rPr lang="en-US" smtClean="0"/>
               <a:pPr/>
-              <a:t>7/17/2018</a:t>
+              <a:t>7/23/2018</a:t>
             </a:fld>
             <a:endParaRPr lang="en-US"/>
           </a:p>
@@ -4628,7 +4633,7 @@
             <a:fld id="{6E658DF8-B8C0-4C7F-85EB-B53A2DDD44A9}" type="datetimeFigureOut">
               <a:rPr lang="en-US" smtClean="0"/>
               <a:pPr/>
-              <a:t>7/17/2018</a:t>
+              <a:t>7/23/2018</a:t>
             </a:fld>
             <a:endParaRPr lang="en-US"/>
           </a:p>
@@ -4795,7 +4800,7 @@
             <a:fld id="{6E658DF8-B8C0-4C7F-85EB-B53A2DDD44A9}" type="datetimeFigureOut">
               <a:rPr lang="en-US" smtClean="0"/>
               <a:pPr/>
-              <a:t>7/17/2018</a:t>
+              <a:t>7/23/2018</a:t>
             </a:fld>
             <a:endParaRPr lang="en-US"/>
           </a:p>
@@ -4972,7 +4977,7 @@
             <a:fld id="{6E658DF8-B8C0-4C7F-85EB-B53A2DDD44A9}" type="datetimeFigureOut">
               <a:rPr lang="en-US" smtClean="0"/>
               <a:pPr/>
-              <a:t>7/17/2018</a:t>
+              <a:t>7/23/2018</a:t>
             </a:fld>
             <a:endParaRPr lang="en-US"/>
           </a:p>
@@ -5171,7 +5176,7 @@
             <a:fld id="{6E658DF8-B8C0-4C7F-85EB-B53A2DDD44A9}" type="datetimeFigureOut">
               <a:rPr lang="en-US" smtClean="0"/>
               <a:pPr/>
-              <a:t>7/17/2018</a:t>
+              <a:t>7/23/2018</a:t>
             </a:fld>
             <a:endParaRPr lang="en-US"/>
           </a:p>
@@ -5414,7 +5419,7 @@
             <a:fld id="{6E658DF8-B8C0-4C7F-85EB-B53A2DDD44A9}" type="datetimeFigureOut">
               <a:rPr lang="en-US" smtClean="0"/>
               <a:pPr/>
-              <a:t>7/17/2018</a:t>
+              <a:t>7/23/2018</a:t>
             </a:fld>
             <a:endParaRPr lang="en-US"/>
           </a:p>
@@ -5699,7 +5704,7 @@
             <a:fld id="{6E658DF8-B8C0-4C7F-85EB-B53A2DDD44A9}" type="datetimeFigureOut">
               <a:rPr lang="en-US" smtClean="0"/>
               <a:pPr/>
-              <a:t>7/17/2018</a:t>
+              <a:t>7/23/2018</a:t>
             </a:fld>
             <a:endParaRPr lang="en-US"/>
           </a:p>
@@ -6118,7 +6123,7 @@
             <a:fld id="{6E658DF8-B8C0-4C7F-85EB-B53A2DDD44A9}" type="datetimeFigureOut">
               <a:rPr lang="en-US" smtClean="0"/>
               <a:pPr/>
-              <a:t>7/17/2018</a:t>
+              <a:t>7/23/2018</a:t>
             </a:fld>
             <a:endParaRPr lang="en-US"/>
           </a:p>
@@ -6233,7 +6238,7 @@
             <a:fld id="{6E658DF8-B8C0-4C7F-85EB-B53A2DDD44A9}" type="datetimeFigureOut">
               <a:rPr lang="en-US" smtClean="0"/>
               <a:pPr/>
-              <a:t>7/17/2018</a:t>
+              <a:t>7/23/2018</a:t>
             </a:fld>
             <a:endParaRPr lang="en-US"/>
           </a:p>
@@ -6325,7 +6330,7 @@
             <a:fld id="{6E658DF8-B8C0-4C7F-85EB-B53A2DDD44A9}" type="datetimeFigureOut">
               <a:rPr lang="en-US" smtClean="0"/>
               <a:pPr/>
-              <a:t>7/17/2018</a:t>
+              <a:t>7/23/2018</a:t>
             </a:fld>
             <a:endParaRPr lang="en-US"/>
           </a:p>
@@ -6599,7 +6604,7 @@
             <a:fld id="{6E658DF8-B8C0-4C7F-85EB-B53A2DDD44A9}" type="datetimeFigureOut">
               <a:rPr lang="en-US" smtClean="0"/>
               <a:pPr/>
-              <a:t>7/17/2018</a:t>
+              <a:t>7/23/2018</a:t>
             </a:fld>
             <a:endParaRPr lang="en-US"/>
           </a:p>
@@ -6849,7 +6854,7 @@
             <a:fld id="{6E658DF8-B8C0-4C7F-85EB-B53A2DDD44A9}" type="datetimeFigureOut">
               <a:rPr lang="en-US" smtClean="0"/>
               <a:pPr/>
-              <a:t>7/17/2018</a:t>
+              <a:t>7/23/2018</a:t>
             </a:fld>
             <a:endParaRPr lang="en-US"/>
           </a:p>
@@ -7065,7 +7070,7 @@
             <a:fld id="{6E658DF8-B8C0-4C7F-85EB-B53A2DDD44A9}" type="datetimeFigureOut">
               <a:rPr lang="en-US" smtClean="0"/>
               <a:pPr/>
-              <a:t>7/17/2018</a:t>
+              <a:t>7/23/2018</a:t>
             </a:fld>
             <a:endParaRPr lang="en-US"/>
           </a:p>
@@ -7657,6 +7662,1159 @@
             <p:ph type="title"/>
           </p:nvPr>
         </p:nvSpPr>
+        <p:spPr/>
+        <p:txBody>
+          <a:bodyPr/>
+          <a:lstStyle/>
+          <a:p>
+            <a:r>
+              <a:rPr lang="en-US" dirty="0" smtClean="0"/>
+              <a:t>Trying to Access With out </a:t>
+            </a:r>
+            <a:r>
+              <a:rPr lang="en-US" dirty="0" err="1" smtClean="0"/>
+              <a:t>FQCN</a:t>
+            </a:r>
+            <a:endParaRPr lang="en-US" dirty="0"/>
+          </a:p>
+        </p:txBody>
+      </p:sp>
+      <p:pic>
+        <p:nvPicPr>
+          <p:cNvPr id="2050" name="Picture 2"/>
+          <p:cNvPicPr>
+            <a:picLocks noChangeAspect="1" noChangeArrowheads="1"/>
+          </p:cNvPicPr>
+          <p:nvPr/>
+        </p:nvPicPr>
+        <p:blipFill>
+          <a:blip r:embed="rId2" cstate="print"/>
+          <a:srcRect/>
+          <a:stretch>
+            <a:fillRect/>
+          </a:stretch>
+        </p:blipFill>
+        <p:spPr bwMode="auto">
+          <a:xfrm>
+            <a:off x="609600" y="1571837"/>
+            <a:ext cx="7848600" cy="4371763"/>
+          </a:xfrm>
+          <a:prstGeom prst="rect">
+            <a:avLst/>
+          </a:prstGeom>
+          <a:noFill/>
+          <a:ln w="9525">
+            <a:noFill/>
+            <a:miter lim="800000"/>
+            <a:headEnd/>
+            <a:tailEnd/>
+          </a:ln>
+        </p:spPr>
+      </p:pic>
+      <p:sp>
+        <p:nvSpPr>
+          <p:cNvPr id="5" name="Rectangle 4"/>
+          <p:cNvSpPr/>
+          <p:nvPr/>
+        </p:nvSpPr>
+        <p:spPr>
+          <a:xfrm>
+            <a:off x="6629400" y="3124200"/>
+            <a:ext cx="1600200" cy="304800"/>
+          </a:xfrm>
+          <a:prstGeom prst="rect">
+            <a:avLst/>
+          </a:prstGeom>
+          <a:solidFill>
+            <a:schemeClr val="lt1">
+              <a:alpha val="0"/>
+            </a:schemeClr>
+          </a:solidFill>
+        </p:spPr>
+        <p:style>
+          <a:lnRef idx="2">
+            <a:schemeClr val="accent6"/>
+          </a:lnRef>
+          <a:fillRef idx="1">
+            <a:schemeClr val="lt1"/>
+          </a:fillRef>
+          <a:effectRef idx="0">
+            <a:schemeClr val="accent6"/>
+          </a:effectRef>
+          <a:fontRef idx="minor">
+            <a:schemeClr val="dk1"/>
+          </a:fontRef>
+        </p:style>
+        <p:txBody>
+          <a:bodyPr rtlCol="0" anchor="ctr"/>
+          <a:lstStyle/>
+          <a:p>
+            <a:pPr algn="ctr"/>
+            <a:endParaRPr lang="en-US"/>
+          </a:p>
+        </p:txBody>
+      </p:sp>
+      <p:sp>
+        <p:nvSpPr>
+          <p:cNvPr id="6" name="Rectangle 5"/>
+          <p:cNvSpPr/>
+          <p:nvPr/>
+        </p:nvSpPr>
+        <p:spPr>
+          <a:xfrm>
+            <a:off x="4648200" y="3962400"/>
+            <a:ext cx="1066800" cy="304800"/>
+          </a:xfrm>
+          <a:prstGeom prst="rect">
+            <a:avLst/>
+          </a:prstGeom>
+          <a:solidFill>
+            <a:schemeClr val="lt1">
+              <a:alpha val="0"/>
+            </a:schemeClr>
+          </a:solidFill>
+        </p:spPr>
+        <p:style>
+          <a:lnRef idx="2">
+            <a:schemeClr val="accent6"/>
+          </a:lnRef>
+          <a:fillRef idx="1">
+            <a:schemeClr val="lt1"/>
+          </a:fillRef>
+          <a:effectRef idx="0">
+            <a:schemeClr val="accent6"/>
+          </a:effectRef>
+          <a:fontRef idx="minor">
+            <a:schemeClr val="dk1"/>
+          </a:fontRef>
+        </p:style>
+        <p:txBody>
+          <a:bodyPr rtlCol="0" anchor="ctr"/>
+          <a:lstStyle/>
+          <a:p>
+            <a:pPr algn="ctr"/>
+            <a:endParaRPr lang="en-US"/>
+          </a:p>
+        </p:txBody>
+      </p:sp>
+      <p:sp>
+        <p:nvSpPr>
+          <p:cNvPr id="7" name="Rectangle 6"/>
+          <p:cNvSpPr/>
+          <p:nvPr/>
+        </p:nvSpPr>
+        <p:spPr>
+          <a:xfrm>
+            <a:off x="6629400" y="4343400"/>
+            <a:ext cx="1600200" cy="304800"/>
+          </a:xfrm>
+          <a:prstGeom prst="rect">
+            <a:avLst/>
+          </a:prstGeom>
+          <a:solidFill>
+            <a:schemeClr val="lt1">
+              <a:alpha val="0"/>
+            </a:schemeClr>
+          </a:solidFill>
+        </p:spPr>
+        <p:style>
+          <a:lnRef idx="2">
+            <a:schemeClr val="accent6"/>
+          </a:lnRef>
+          <a:fillRef idx="1">
+            <a:schemeClr val="lt1"/>
+          </a:fillRef>
+          <a:effectRef idx="0">
+            <a:schemeClr val="accent6"/>
+          </a:effectRef>
+          <a:fontRef idx="minor">
+            <a:schemeClr val="dk1"/>
+          </a:fontRef>
+        </p:style>
+        <p:txBody>
+          <a:bodyPr rtlCol="0" anchor="ctr"/>
+          <a:lstStyle/>
+          <a:p>
+            <a:pPr algn="ctr"/>
+            <a:endParaRPr lang="en-US"/>
+          </a:p>
+        </p:txBody>
+      </p:sp>
+      <p:sp>
+        <p:nvSpPr>
+          <p:cNvPr id="8" name="Rectangle 7"/>
+          <p:cNvSpPr/>
+          <p:nvPr/>
+        </p:nvSpPr>
+        <p:spPr>
+          <a:xfrm>
+            <a:off x="4800600" y="4800600"/>
+            <a:ext cx="1371600" cy="228600"/>
+          </a:xfrm>
+          <a:prstGeom prst="rect">
+            <a:avLst/>
+          </a:prstGeom>
+          <a:solidFill>
+            <a:schemeClr val="lt1">
+              <a:alpha val="0"/>
+            </a:schemeClr>
+          </a:solidFill>
+        </p:spPr>
+        <p:style>
+          <a:lnRef idx="2">
+            <a:schemeClr val="accent6"/>
+          </a:lnRef>
+          <a:fillRef idx="1">
+            <a:schemeClr val="lt1"/>
+          </a:fillRef>
+          <a:effectRef idx="0">
+            <a:schemeClr val="accent6"/>
+          </a:effectRef>
+          <a:fontRef idx="minor">
+            <a:schemeClr val="dk1"/>
+          </a:fontRef>
+        </p:style>
+        <p:txBody>
+          <a:bodyPr rtlCol="0" anchor="ctr"/>
+          <a:lstStyle/>
+          <a:p>
+            <a:pPr algn="ctr"/>
+            <a:endParaRPr lang="en-US"/>
+          </a:p>
+        </p:txBody>
+      </p:sp>
+    </p:spTree>
+  </p:cSld>
+  <p:clrMapOvr>
+    <a:masterClrMapping/>
+  </p:clrMapOvr>
+  <p:timing>
+    <p:tnLst>
+      <p:par>
+        <p:cTn id="1" dur="indefinite" restart="never" nodeType="tmRoot"/>
+      </p:par>
+    </p:tnLst>
+  </p:timing>
+</p:sld>
+</file>
+
+<file path=ppt/slides/slide11.xml><?xml version="1.0" encoding="utf-8"?>
+<p:sld xmlns:a="http://schemas.openxmlformats.org/drawingml/2006/main" xmlns:r="http://schemas.openxmlformats.org/officeDocument/2006/relationships" xmlns:p="http://schemas.openxmlformats.org/presentationml/2006/main">
+  <p:cSld>
+    <p:spTree>
+      <p:nvGrpSpPr>
+        <p:cNvPr id="1" name=""/>
+        <p:cNvGrpSpPr/>
+        <p:nvPr/>
+      </p:nvGrpSpPr>
+      <p:grpSpPr>
+        <a:xfrm>
+          <a:off x="0" y="0"/>
+          <a:ext cx="0" cy="0"/>
+          <a:chOff x="0" y="0"/>
+          <a:chExt cx="0" cy="0"/>
+        </a:xfrm>
+      </p:grpSpPr>
+      <p:sp>
+        <p:nvSpPr>
+          <p:cNvPr id="2" name="Title 1"/>
+          <p:cNvSpPr>
+            <a:spLocks noGrp="1"/>
+          </p:cNvSpPr>
+          <p:nvPr>
+            <p:ph type="title"/>
+          </p:nvPr>
+        </p:nvSpPr>
+        <p:spPr/>
+        <p:txBody>
+          <a:bodyPr/>
+          <a:lstStyle/>
+          <a:p>
+            <a:r>
+              <a:rPr lang="en-US" dirty="0" smtClean="0"/>
+              <a:t>Proper Way</a:t>
+            </a:r>
+            <a:endParaRPr lang="en-US" dirty="0"/>
+          </a:p>
+        </p:txBody>
+      </p:sp>
+      <p:pic>
+        <p:nvPicPr>
+          <p:cNvPr id="3074" name="Picture 2"/>
+          <p:cNvPicPr>
+            <a:picLocks noChangeAspect="1" noChangeArrowheads="1"/>
+          </p:cNvPicPr>
+          <p:nvPr/>
+        </p:nvPicPr>
+        <p:blipFill>
+          <a:blip r:embed="rId2" cstate="print"/>
+          <a:srcRect/>
+          <a:stretch>
+            <a:fillRect/>
+          </a:stretch>
+        </p:blipFill>
+        <p:spPr bwMode="auto">
+          <a:xfrm>
+            <a:off x="533400" y="1600200"/>
+            <a:ext cx="8060950" cy="3505200"/>
+          </a:xfrm>
+          <a:prstGeom prst="rect">
+            <a:avLst/>
+          </a:prstGeom>
+          <a:noFill/>
+          <a:ln w="9525">
+            <a:noFill/>
+            <a:miter lim="800000"/>
+            <a:headEnd/>
+            <a:tailEnd/>
+          </a:ln>
+        </p:spPr>
+      </p:pic>
+      <p:sp>
+        <p:nvSpPr>
+          <p:cNvPr id="5" name="Rectangle 4"/>
+          <p:cNvSpPr/>
+          <p:nvPr/>
+        </p:nvSpPr>
+        <p:spPr>
+          <a:xfrm>
+            <a:off x="3810000" y="2362200"/>
+            <a:ext cx="1981200" cy="304800"/>
+          </a:xfrm>
+          <a:prstGeom prst="rect">
+            <a:avLst/>
+          </a:prstGeom>
+          <a:solidFill>
+            <a:schemeClr val="lt1">
+              <a:alpha val="0"/>
+            </a:schemeClr>
+          </a:solidFill>
+        </p:spPr>
+        <p:style>
+          <a:lnRef idx="2">
+            <a:schemeClr val="accent6"/>
+          </a:lnRef>
+          <a:fillRef idx="1">
+            <a:schemeClr val="lt1"/>
+          </a:fillRef>
+          <a:effectRef idx="0">
+            <a:schemeClr val="accent6"/>
+          </a:effectRef>
+          <a:fontRef idx="minor">
+            <a:schemeClr val="dk1"/>
+          </a:fontRef>
+        </p:style>
+        <p:txBody>
+          <a:bodyPr rtlCol="0" anchor="ctr"/>
+          <a:lstStyle/>
+          <a:p>
+            <a:pPr algn="ctr"/>
+            <a:endParaRPr lang="en-US"/>
+          </a:p>
+        </p:txBody>
+      </p:sp>
+      <p:sp>
+        <p:nvSpPr>
+          <p:cNvPr id="6" name="Rectangle 5"/>
+          <p:cNvSpPr/>
+          <p:nvPr/>
+        </p:nvSpPr>
+        <p:spPr>
+          <a:xfrm>
+            <a:off x="1524000" y="2209800"/>
+            <a:ext cx="914400" cy="304800"/>
+          </a:xfrm>
+          <a:prstGeom prst="rect">
+            <a:avLst/>
+          </a:prstGeom>
+          <a:solidFill>
+            <a:schemeClr val="lt1">
+              <a:alpha val="0"/>
+            </a:schemeClr>
+          </a:solidFill>
+        </p:spPr>
+        <p:style>
+          <a:lnRef idx="2">
+            <a:schemeClr val="accent6"/>
+          </a:lnRef>
+          <a:fillRef idx="1">
+            <a:schemeClr val="lt1"/>
+          </a:fillRef>
+          <a:effectRef idx="0">
+            <a:schemeClr val="accent6"/>
+          </a:effectRef>
+          <a:fontRef idx="minor">
+            <a:schemeClr val="dk1"/>
+          </a:fontRef>
+        </p:style>
+        <p:txBody>
+          <a:bodyPr rtlCol="0" anchor="ctr"/>
+          <a:lstStyle/>
+          <a:p>
+            <a:pPr algn="ctr"/>
+            <a:endParaRPr lang="en-US"/>
+          </a:p>
+        </p:txBody>
+      </p:sp>
+      <p:sp>
+        <p:nvSpPr>
+          <p:cNvPr id="7" name="Rectangle 6"/>
+          <p:cNvSpPr/>
+          <p:nvPr/>
+        </p:nvSpPr>
+        <p:spPr>
+          <a:xfrm>
+            <a:off x="6553200" y="3733800"/>
+            <a:ext cx="1981200" cy="304800"/>
+          </a:xfrm>
+          <a:prstGeom prst="rect">
+            <a:avLst/>
+          </a:prstGeom>
+          <a:solidFill>
+            <a:schemeClr val="lt1">
+              <a:alpha val="0"/>
+            </a:schemeClr>
+          </a:solidFill>
+        </p:spPr>
+        <p:style>
+          <a:lnRef idx="2">
+            <a:schemeClr val="accent6"/>
+          </a:lnRef>
+          <a:fillRef idx="1">
+            <a:schemeClr val="lt1"/>
+          </a:fillRef>
+          <a:effectRef idx="0">
+            <a:schemeClr val="accent6"/>
+          </a:effectRef>
+          <a:fontRef idx="minor">
+            <a:schemeClr val="dk1"/>
+          </a:fontRef>
+        </p:style>
+        <p:txBody>
+          <a:bodyPr rtlCol="0" anchor="ctr"/>
+          <a:lstStyle/>
+          <a:p>
+            <a:pPr algn="ctr"/>
+            <a:endParaRPr lang="en-US"/>
+          </a:p>
+        </p:txBody>
+      </p:sp>
+      <p:sp>
+        <p:nvSpPr>
+          <p:cNvPr id="9" name="Rectangle 8"/>
+          <p:cNvSpPr/>
+          <p:nvPr/>
+        </p:nvSpPr>
+        <p:spPr>
+          <a:xfrm>
+            <a:off x="6553200" y="4191000"/>
+            <a:ext cx="1981200" cy="304800"/>
+          </a:xfrm>
+          <a:prstGeom prst="rect">
+            <a:avLst/>
+          </a:prstGeom>
+          <a:solidFill>
+            <a:schemeClr val="lt1">
+              <a:alpha val="0"/>
+            </a:schemeClr>
+          </a:solidFill>
+        </p:spPr>
+        <p:style>
+          <a:lnRef idx="2">
+            <a:schemeClr val="accent6"/>
+          </a:lnRef>
+          <a:fillRef idx="1">
+            <a:schemeClr val="lt1"/>
+          </a:fillRef>
+          <a:effectRef idx="0">
+            <a:schemeClr val="accent6"/>
+          </a:effectRef>
+          <a:fontRef idx="minor">
+            <a:schemeClr val="dk1"/>
+          </a:fontRef>
+        </p:style>
+        <p:txBody>
+          <a:bodyPr rtlCol="0" anchor="ctr"/>
+          <a:lstStyle/>
+          <a:p>
+            <a:pPr algn="ctr"/>
+            <a:endParaRPr lang="en-US"/>
+          </a:p>
+        </p:txBody>
+      </p:sp>
+      <p:cxnSp>
+        <p:nvCxnSpPr>
+          <p:cNvPr id="11" name="Straight Arrow Connector 10"/>
+          <p:cNvCxnSpPr>
+            <a:stCxn id="5" idx="2"/>
+            <a:endCxn id="7" idx="0"/>
+          </p:cNvCxnSpPr>
+          <p:nvPr/>
+        </p:nvCxnSpPr>
+        <p:spPr>
+          <a:xfrm>
+            <a:off x="4800600" y="2667000"/>
+            <a:ext cx="2743200" cy="1066800"/>
+          </a:xfrm>
+          <a:prstGeom prst="straightConnector1">
+            <a:avLst/>
+          </a:prstGeom>
+          <a:ln w="31750" cap="sq">
+            <a:prstDash val="sysDot"/>
+            <a:round/>
+            <a:tailEnd type="arrow"/>
+          </a:ln>
+        </p:spPr>
+        <p:style>
+          <a:lnRef idx="2">
+            <a:schemeClr val="dk1"/>
+          </a:lnRef>
+          <a:fillRef idx="0">
+            <a:schemeClr val="dk1"/>
+          </a:fillRef>
+          <a:effectRef idx="1">
+            <a:schemeClr val="dk1"/>
+          </a:effectRef>
+          <a:fontRef idx="minor">
+            <a:schemeClr val="tx1"/>
+          </a:fontRef>
+        </p:style>
+      </p:cxnSp>
+      <p:cxnSp>
+        <p:nvCxnSpPr>
+          <p:cNvPr id="15" name="Straight Arrow Connector 14"/>
+          <p:cNvCxnSpPr>
+            <a:stCxn id="7" idx="1"/>
+            <a:endCxn id="6" idx="3"/>
+          </p:cNvCxnSpPr>
+          <p:nvPr/>
+        </p:nvCxnSpPr>
+        <p:spPr>
+          <a:xfrm flipH="1" flipV="1">
+            <a:off x="2438400" y="2362200"/>
+            <a:ext cx="4114800" cy="1524000"/>
+          </a:xfrm>
+          <a:prstGeom prst="straightConnector1">
+            <a:avLst/>
+          </a:prstGeom>
+          <a:ln w="31750" cap="sq">
+            <a:prstDash val="sysDot"/>
+            <a:round/>
+            <a:tailEnd type="arrow"/>
+          </a:ln>
+        </p:spPr>
+        <p:style>
+          <a:lnRef idx="2">
+            <a:schemeClr val="dk1"/>
+          </a:lnRef>
+          <a:fillRef idx="0">
+            <a:schemeClr val="dk1"/>
+          </a:fillRef>
+          <a:effectRef idx="1">
+            <a:schemeClr val="dk1"/>
+          </a:effectRef>
+          <a:fontRef idx="minor">
+            <a:schemeClr val="tx1"/>
+          </a:fontRef>
+        </p:style>
+      </p:cxnSp>
+      <p:cxnSp>
+        <p:nvCxnSpPr>
+          <p:cNvPr id="22" name="Straight Arrow Connector 21"/>
+          <p:cNvCxnSpPr>
+            <a:stCxn id="6" idx="2"/>
+            <a:endCxn id="9" idx="1"/>
+          </p:cNvCxnSpPr>
+          <p:nvPr/>
+        </p:nvCxnSpPr>
+        <p:spPr>
+          <a:xfrm>
+            <a:off x="1981200" y="2514600"/>
+            <a:ext cx="4572000" cy="1828800"/>
+          </a:xfrm>
+          <a:prstGeom prst="straightConnector1">
+            <a:avLst/>
+          </a:prstGeom>
+          <a:ln w="31750" cap="sq">
+            <a:prstDash val="sysDot"/>
+            <a:round/>
+            <a:tailEnd type="arrow"/>
+          </a:ln>
+        </p:spPr>
+        <p:style>
+          <a:lnRef idx="2">
+            <a:schemeClr val="dk1"/>
+          </a:lnRef>
+          <a:fillRef idx="0">
+            <a:schemeClr val="dk1"/>
+          </a:fillRef>
+          <a:effectRef idx="1">
+            <a:schemeClr val="dk1"/>
+          </a:effectRef>
+          <a:fontRef idx="minor">
+            <a:schemeClr val="tx1"/>
+          </a:fontRef>
+        </p:style>
+      </p:cxnSp>
+    </p:spTree>
+  </p:cSld>
+  <p:clrMapOvr>
+    <a:masterClrMapping/>
+  </p:clrMapOvr>
+  <p:timing>
+    <p:tnLst>
+      <p:par>
+        <p:cTn id="1" dur="indefinite" restart="never" nodeType="tmRoot"/>
+      </p:par>
+    </p:tnLst>
+  </p:timing>
+</p:sld>
+</file>
+
+<file path=ppt/slides/slide12.xml><?xml version="1.0" encoding="utf-8"?>
+<p:sld xmlns:a="http://schemas.openxmlformats.org/drawingml/2006/main" xmlns:r="http://schemas.openxmlformats.org/officeDocument/2006/relationships" xmlns:p="http://schemas.openxmlformats.org/presentationml/2006/main">
+  <p:cSld>
+    <p:spTree>
+      <p:nvGrpSpPr>
+        <p:cNvPr id="1" name=""/>
+        <p:cNvGrpSpPr/>
+        <p:nvPr/>
+      </p:nvGrpSpPr>
+      <p:grpSpPr>
+        <a:xfrm>
+          <a:off x="0" y="0"/>
+          <a:ext cx="0" cy="0"/>
+          <a:chOff x="0" y="0"/>
+          <a:chExt cx="0" cy="0"/>
+        </a:xfrm>
+      </p:grpSpPr>
+      <p:pic>
+        <p:nvPicPr>
+          <p:cNvPr id="4101" name="Picture 5"/>
+          <p:cNvPicPr>
+            <a:picLocks noChangeAspect="1" noChangeArrowheads="1"/>
+          </p:cNvPicPr>
+          <p:nvPr/>
+        </p:nvPicPr>
+        <p:blipFill>
+          <a:blip r:embed="rId2" cstate="print"/>
+          <a:srcRect/>
+          <a:stretch>
+            <a:fillRect/>
+          </a:stretch>
+        </p:blipFill>
+        <p:spPr bwMode="auto">
+          <a:xfrm>
+            <a:off x="228600" y="1600200"/>
+            <a:ext cx="8629700" cy="2438400"/>
+          </a:xfrm>
+          <a:prstGeom prst="rect">
+            <a:avLst/>
+          </a:prstGeom>
+          <a:noFill/>
+          <a:ln w="9525">
+            <a:noFill/>
+            <a:miter lim="800000"/>
+            <a:headEnd/>
+            <a:tailEnd/>
+          </a:ln>
+        </p:spPr>
+      </p:pic>
+      <p:sp>
+        <p:nvSpPr>
+          <p:cNvPr id="2" name="Title 1"/>
+          <p:cNvSpPr>
+            <a:spLocks noGrp="1"/>
+          </p:cNvSpPr>
+          <p:nvPr>
+            <p:ph type="title"/>
+          </p:nvPr>
+        </p:nvSpPr>
+        <p:spPr/>
+        <p:txBody>
+          <a:bodyPr/>
+          <a:lstStyle/>
+          <a:p>
+            <a:r>
+              <a:rPr lang="en-US" dirty="0" smtClean="0"/>
+              <a:t>Creating Packages and Importing</a:t>
+            </a:r>
+            <a:endParaRPr lang="en-US" dirty="0"/>
+          </a:p>
+        </p:txBody>
+      </p:sp>
+      <p:sp>
+        <p:nvSpPr>
+          <p:cNvPr id="6" name="Rectangle 5"/>
+          <p:cNvSpPr/>
+          <p:nvPr/>
+        </p:nvSpPr>
+        <p:spPr>
+          <a:xfrm>
+            <a:off x="762000" y="1752600"/>
+            <a:ext cx="1524000" cy="152400"/>
+          </a:xfrm>
+          <a:prstGeom prst="rect">
+            <a:avLst/>
+          </a:prstGeom>
+          <a:solidFill>
+            <a:schemeClr val="lt1">
+              <a:alpha val="0"/>
+            </a:schemeClr>
+          </a:solidFill>
+        </p:spPr>
+        <p:style>
+          <a:lnRef idx="2">
+            <a:schemeClr val="accent6"/>
+          </a:lnRef>
+          <a:fillRef idx="1">
+            <a:schemeClr val="lt1"/>
+          </a:fillRef>
+          <a:effectRef idx="0">
+            <a:schemeClr val="accent6"/>
+          </a:effectRef>
+          <a:fontRef idx="minor">
+            <a:schemeClr val="dk1"/>
+          </a:fontRef>
+        </p:style>
+        <p:txBody>
+          <a:bodyPr rtlCol="0" anchor="ctr"/>
+          <a:lstStyle/>
+          <a:p>
+            <a:pPr algn="ctr"/>
+            <a:endParaRPr lang="en-US" dirty="0">
+              <a:solidFill>
+                <a:srgbClr val="FF0000"/>
+              </a:solidFill>
+            </a:endParaRPr>
+          </a:p>
+        </p:txBody>
+      </p:sp>
+      <p:sp>
+        <p:nvSpPr>
+          <p:cNvPr id="7" name="Rectangle 6"/>
+          <p:cNvSpPr/>
+          <p:nvPr/>
+        </p:nvSpPr>
+        <p:spPr>
+          <a:xfrm>
+            <a:off x="4267200" y="1981200"/>
+            <a:ext cx="2438400" cy="228600"/>
+          </a:xfrm>
+          <a:prstGeom prst="rect">
+            <a:avLst/>
+          </a:prstGeom>
+          <a:solidFill>
+            <a:schemeClr val="lt1">
+              <a:alpha val="0"/>
+            </a:schemeClr>
+          </a:solidFill>
+        </p:spPr>
+        <p:style>
+          <a:lnRef idx="2">
+            <a:schemeClr val="accent6"/>
+          </a:lnRef>
+          <a:fillRef idx="1">
+            <a:schemeClr val="lt1"/>
+          </a:fillRef>
+          <a:effectRef idx="0">
+            <a:schemeClr val="accent6"/>
+          </a:effectRef>
+          <a:fontRef idx="minor">
+            <a:schemeClr val="dk1"/>
+          </a:fontRef>
+        </p:style>
+        <p:txBody>
+          <a:bodyPr rtlCol="0" anchor="ctr"/>
+          <a:lstStyle/>
+          <a:p>
+            <a:pPr algn="ctr"/>
+            <a:endParaRPr lang="en-US"/>
+          </a:p>
+        </p:txBody>
+      </p:sp>
+      <p:sp>
+        <p:nvSpPr>
+          <p:cNvPr id="8" name="Rectangle 7"/>
+          <p:cNvSpPr/>
+          <p:nvPr/>
+        </p:nvSpPr>
+        <p:spPr>
+          <a:xfrm>
+            <a:off x="762000" y="5410200"/>
+            <a:ext cx="2057400" cy="457200"/>
+          </a:xfrm>
+          <a:prstGeom prst="rect">
+            <a:avLst/>
+          </a:prstGeom>
+        </p:spPr>
+        <p:style>
+          <a:lnRef idx="2">
+            <a:schemeClr val="accent5"/>
+          </a:lnRef>
+          <a:fillRef idx="1">
+            <a:schemeClr val="lt1"/>
+          </a:fillRef>
+          <a:effectRef idx="0">
+            <a:schemeClr val="accent5"/>
+          </a:effectRef>
+          <a:fontRef idx="minor">
+            <a:schemeClr val="dk1"/>
+          </a:fontRef>
+        </p:style>
+        <p:txBody>
+          <a:bodyPr rtlCol="0" anchor="ctr"/>
+          <a:lstStyle/>
+          <a:p>
+            <a:pPr algn="ctr"/>
+            <a:r>
+              <a:rPr lang="en-US" dirty="0" smtClean="0">
+                <a:solidFill>
+                  <a:srgbClr val="FF0000"/>
+                </a:solidFill>
+              </a:rPr>
+              <a:t>Creating Package</a:t>
+            </a:r>
+            <a:endParaRPr lang="en-US" dirty="0">
+              <a:solidFill>
+                <a:srgbClr val="FF0000"/>
+              </a:solidFill>
+            </a:endParaRPr>
+          </a:p>
+        </p:txBody>
+      </p:sp>
+      <p:sp>
+        <p:nvSpPr>
+          <p:cNvPr id="10" name="Rectangle 9"/>
+          <p:cNvSpPr/>
+          <p:nvPr/>
+        </p:nvSpPr>
+        <p:spPr>
+          <a:xfrm>
+            <a:off x="5105400" y="5334000"/>
+            <a:ext cx="3429000" cy="457200"/>
+          </a:xfrm>
+          <a:prstGeom prst="rect">
+            <a:avLst/>
+          </a:prstGeom>
+        </p:spPr>
+        <p:style>
+          <a:lnRef idx="2">
+            <a:schemeClr val="accent5"/>
+          </a:lnRef>
+          <a:fillRef idx="1">
+            <a:schemeClr val="lt1"/>
+          </a:fillRef>
+          <a:effectRef idx="0">
+            <a:schemeClr val="accent5"/>
+          </a:effectRef>
+          <a:fontRef idx="minor">
+            <a:schemeClr val="dk1"/>
+          </a:fontRef>
+        </p:style>
+        <p:txBody>
+          <a:bodyPr rtlCol="0" anchor="ctr"/>
+          <a:lstStyle/>
+          <a:p>
+            <a:pPr algn="ctr"/>
+            <a:r>
+              <a:rPr lang="en-US" dirty="0" smtClean="0">
+                <a:solidFill>
+                  <a:srgbClr val="FF0000"/>
+                </a:solidFill>
+              </a:rPr>
+              <a:t>Importing your package</a:t>
+            </a:r>
+            <a:endParaRPr lang="en-US" dirty="0">
+              <a:solidFill>
+                <a:srgbClr val="FF0000"/>
+              </a:solidFill>
+            </a:endParaRPr>
+          </a:p>
+        </p:txBody>
+      </p:sp>
+      <p:cxnSp>
+        <p:nvCxnSpPr>
+          <p:cNvPr id="15" name="Elbow Connector 14"/>
+          <p:cNvCxnSpPr>
+            <a:stCxn id="8" idx="1"/>
+            <a:endCxn id="6" idx="1"/>
+          </p:cNvCxnSpPr>
+          <p:nvPr/>
+        </p:nvCxnSpPr>
+        <p:spPr>
+          <a:xfrm rot="10800000">
+            <a:off x="762000" y="1828800"/>
+            <a:ext cx="12700" cy="3810000"/>
+          </a:xfrm>
+          <a:prstGeom prst="bentConnector3">
+            <a:avLst>
+              <a:gd name="adj1" fmla="val 1800000"/>
+            </a:avLst>
+          </a:prstGeom>
+          <a:ln>
+            <a:tailEnd type="arrow"/>
+          </a:ln>
+        </p:spPr>
+        <p:style>
+          <a:lnRef idx="2">
+            <a:schemeClr val="dk1"/>
+          </a:lnRef>
+          <a:fillRef idx="0">
+            <a:schemeClr val="dk1"/>
+          </a:fillRef>
+          <a:effectRef idx="1">
+            <a:schemeClr val="dk1"/>
+          </a:effectRef>
+          <a:fontRef idx="minor">
+            <a:schemeClr val="tx1"/>
+          </a:fontRef>
+        </p:style>
+      </p:cxnSp>
+      <p:cxnSp>
+        <p:nvCxnSpPr>
+          <p:cNvPr id="16" name="Elbow Connector 15"/>
+          <p:cNvCxnSpPr>
+            <a:stCxn id="10" idx="1"/>
+            <a:endCxn id="7" idx="1"/>
+          </p:cNvCxnSpPr>
+          <p:nvPr/>
+        </p:nvCxnSpPr>
+        <p:spPr>
+          <a:xfrm rot="10800000">
+            <a:off x="4267200" y="2095500"/>
+            <a:ext cx="838200" cy="3467100"/>
+          </a:xfrm>
+          <a:prstGeom prst="bentConnector3">
+            <a:avLst>
+              <a:gd name="adj1" fmla="val 127273"/>
+            </a:avLst>
+          </a:prstGeom>
+          <a:ln>
+            <a:tailEnd type="arrow"/>
+          </a:ln>
+        </p:spPr>
+        <p:style>
+          <a:lnRef idx="2">
+            <a:schemeClr val="dk1"/>
+          </a:lnRef>
+          <a:fillRef idx="0">
+            <a:schemeClr val="dk1"/>
+          </a:fillRef>
+          <a:effectRef idx="1">
+            <a:schemeClr val="dk1"/>
+          </a:effectRef>
+          <a:fontRef idx="minor">
+            <a:schemeClr val="tx1"/>
+          </a:fontRef>
+        </p:style>
+      </p:cxnSp>
+    </p:spTree>
+  </p:cSld>
+  <p:clrMapOvr>
+    <a:masterClrMapping/>
+  </p:clrMapOvr>
+  <p:timing>
+    <p:tnLst>
+      <p:par>
+        <p:cTn id="1" dur="indefinite" restart="never" nodeType="tmRoot"/>
+      </p:par>
+    </p:tnLst>
+  </p:timing>
+</p:sld>
+</file>
+
+<file path=ppt/slides/slide13.xml><?xml version="1.0" encoding="utf-8"?>
+<p:sld xmlns:a="http://schemas.openxmlformats.org/drawingml/2006/main" xmlns:r="http://schemas.openxmlformats.org/officeDocument/2006/relationships" xmlns:p="http://schemas.openxmlformats.org/presentationml/2006/main">
+  <p:cSld>
+    <p:spTree>
+      <p:nvGrpSpPr>
+        <p:cNvPr id="1" name=""/>
+        <p:cNvGrpSpPr/>
+        <p:nvPr/>
+      </p:nvGrpSpPr>
+      <p:grpSpPr>
+        <a:xfrm>
+          <a:off x="0" y="0"/>
+          <a:ext cx="0" cy="0"/>
+          <a:chOff x="0" y="0"/>
+          <a:chExt cx="0" cy="0"/>
+        </a:xfrm>
+      </p:grpSpPr>
+      <p:sp>
+        <p:nvSpPr>
+          <p:cNvPr id="2" name="Title 1"/>
+          <p:cNvSpPr>
+            <a:spLocks noGrp="1"/>
+          </p:cNvSpPr>
+          <p:nvPr>
+            <p:ph type="title"/>
+          </p:nvPr>
+        </p:nvSpPr>
+        <p:spPr/>
+        <p:txBody>
+          <a:bodyPr/>
+          <a:lstStyle/>
+          <a:p>
+            <a:r>
+              <a:rPr lang="en-US" dirty="0" smtClean="0"/>
+              <a:t>Output</a:t>
+            </a:r>
+            <a:endParaRPr lang="en-US" dirty="0"/>
+          </a:p>
+        </p:txBody>
+      </p:sp>
+      <p:pic>
+        <p:nvPicPr>
+          <p:cNvPr id="5122" name="Picture 2"/>
+          <p:cNvPicPr>
+            <a:picLocks noChangeAspect="1" noChangeArrowheads="1"/>
+          </p:cNvPicPr>
+          <p:nvPr/>
+        </p:nvPicPr>
+        <p:blipFill>
+          <a:blip r:embed="rId2" cstate="print"/>
+          <a:srcRect/>
+          <a:stretch>
+            <a:fillRect/>
+          </a:stretch>
+        </p:blipFill>
+        <p:spPr bwMode="auto">
+          <a:xfrm>
+            <a:off x="838200" y="1676400"/>
+            <a:ext cx="7560381" cy="2209800"/>
+          </a:xfrm>
+          <a:prstGeom prst="rect">
+            <a:avLst/>
+          </a:prstGeom>
+          <a:noFill/>
+          <a:ln w="9525">
+            <a:noFill/>
+            <a:miter lim="800000"/>
+            <a:headEnd/>
+            <a:tailEnd/>
+          </a:ln>
+        </p:spPr>
+      </p:pic>
+    </p:spTree>
+  </p:cSld>
+  <p:clrMapOvr>
+    <a:masterClrMapping/>
+  </p:clrMapOvr>
+  <p:timing>
+    <p:tnLst>
+      <p:par>
+        <p:cTn id="1" dur="indefinite" restart="never" nodeType="tmRoot"/>
+      </p:par>
+    </p:tnLst>
+  </p:timing>
+</p:sld>
+</file>
+
+<file path=ppt/slides/slide14.xml><?xml version="1.0" encoding="utf-8"?>
+<p:sld xmlns:a="http://schemas.openxmlformats.org/drawingml/2006/main" xmlns:r="http://schemas.openxmlformats.org/officeDocument/2006/relationships" xmlns:p="http://schemas.openxmlformats.org/presentationml/2006/main">
+  <p:cSld>
+    <p:spTree>
+      <p:nvGrpSpPr>
+        <p:cNvPr id="1" name=""/>
+        <p:cNvGrpSpPr/>
+        <p:nvPr/>
+      </p:nvGrpSpPr>
+      <p:grpSpPr>
+        <a:xfrm>
+          <a:off x="0" y="0"/>
+          <a:ext cx="0" cy="0"/>
+          <a:chOff x="0" y="0"/>
+          <a:chExt cx="0" cy="0"/>
+        </a:xfrm>
+      </p:grpSpPr>
+      <p:sp>
+        <p:nvSpPr>
+          <p:cNvPr id="2" name="Title 1"/>
+          <p:cNvSpPr>
+            <a:spLocks noGrp="1"/>
+          </p:cNvSpPr>
+          <p:nvPr>
+            <p:ph type="title"/>
+          </p:nvPr>
+        </p:nvSpPr>
+        <p:spPr/>
+        <p:txBody>
+          <a:bodyPr/>
+          <a:lstStyle/>
+          <a:p>
+            <a:r>
+              <a:rPr lang="en-US" dirty="0" smtClean="0"/>
+              <a:t>Sub packages</a:t>
+            </a:r>
+            <a:endParaRPr lang="en-US" dirty="0"/>
+          </a:p>
+        </p:txBody>
+      </p:sp>
+      <p:sp>
+        <p:nvSpPr>
+          <p:cNvPr id="3" name="Content Placeholder 2"/>
+          <p:cNvSpPr>
+            <a:spLocks noGrp="1"/>
+          </p:cNvSpPr>
+          <p:nvPr>
+            <p:ph idx="1"/>
+          </p:nvPr>
+        </p:nvSpPr>
+        <p:spPr/>
+        <p:txBody>
+          <a:bodyPr/>
+          <a:lstStyle/>
+          <a:p>
+            <a:r>
+              <a:rPr lang="en-US" dirty="0" smtClean="0"/>
+              <a:t>We can create sub packages too.</a:t>
+            </a:r>
+          </a:p>
+          <a:p>
+            <a:r>
+              <a:rPr lang="en-US" dirty="0" smtClean="0"/>
+              <a:t>We must use specify with dot (.).</a:t>
+            </a:r>
+            <a:endParaRPr lang="en-US" dirty="0"/>
+          </a:p>
+        </p:txBody>
+      </p:sp>
+    </p:spTree>
+  </p:cSld>
+  <p:clrMapOvr>
+    <a:masterClrMapping/>
+  </p:clrMapOvr>
+</p:sld>
+</file>
+
+<file path=ppt/slides/slide15.xml><?xml version="1.0" encoding="utf-8"?>
+<p:sld xmlns:a="http://schemas.openxmlformats.org/drawingml/2006/main" xmlns:r="http://schemas.openxmlformats.org/officeDocument/2006/relationships" xmlns:p="http://schemas.openxmlformats.org/presentationml/2006/main">
+  <p:cSld>
+    <p:spTree>
+      <p:nvGrpSpPr>
+        <p:cNvPr id="1" name=""/>
+        <p:cNvGrpSpPr/>
+        <p:nvPr/>
+      </p:nvGrpSpPr>
+      <p:grpSpPr>
+        <a:xfrm>
+          <a:off x="0" y="0"/>
+          <a:ext cx="0" cy="0"/>
+          <a:chOff x="0" y="0"/>
+          <a:chExt cx="0" cy="0"/>
+        </a:xfrm>
+      </p:grpSpPr>
+      <p:sp>
+        <p:nvSpPr>
+          <p:cNvPr id="2" name="Title 1"/>
+          <p:cNvSpPr>
+            <a:spLocks noGrp="1"/>
+          </p:cNvSpPr>
+          <p:nvPr>
+            <p:ph type="title"/>
+          </p:nvPr>
+        </p:nvSpPr>
         <p:spPr>
           <a:xfrm>
             <a:off x="457200" y="1981200"/>
@@ -7996,6 +9154,13 @@
   <p:clrMapOvr>
     <a:masterClrMapping/>
   </p:clrMapOvr>
+  <p:timing>
+    <p:tnLst>
+      <p:par>
+        <p:cTn id="1" dur="indefinite" restart="never" nodeType="tmRoot"/>
+      </p:par>
+    </p:tnLst>
+  </p:timing>
 </p:sld>
 </file>
 
@@ -8080,6 +9245,13 @@
   <p:clrMapOvr>
     <a:masterClrMapping/>
   </p:clrMapOvr>
+  <p:timing>
+    <p:tnLst>
+      <p:par>
+        <p:cTn id="1" dur="indefinite" restart="never" nodeType="tmRoot"/>
+      </p:par>
+    </p:tnLst>
+  </p:timing>
 </p:sld>
 </file>
 
@@ -8168,6 +9340,13 @@
   <p:clrMapOvr>
     <a:masterClrMapping/>
   </p:clrMapOvr>
+  <p:timing>
+    <p:tnLst>
+      <p:par>
+        <p:cTn id="1" dur="indefinite" restart="never" nodeType="tmRoot"/>
+      </p:par>
+    </p:tnLst>
+  </p:timing>
 </p:sld>
 </file>
 
@@ -8429,6 +9608,13 @@
   <p:clrMapOvr>
     <a:masterClrMapping/>
   </p:clrMapOvr>
+  <p:timing>
+    <p:tnLst>
+      <p:par>
+        <p:cTn id="1" dur="indefinite" restart="never" nodeType="tmRoot"/>
+      </p:par>
+    </p:tnLst>
+  </p:timing>
 </p:sld>
 </file>
 
@@ -8618,6 +9804,13 @@
   <p:clrMapOvr>
     <a:masterClrMapping/>
   </p:clrMapOvr>
+  <p:timing>
+    <p:tnLst>
+      <p:par>
+        <p:cTn id="1" dur="indefinite" restart="never" nodeType="tmRoot"/>
+      </p:par>
+    </p:tnLst>
+  </p:timing>
 </p:sld>
 </file>
 
@@ -8686,6 +9879,13 @@
   <p:clrMapOvr>
     <a:masterClrMapping/>
   </p:clrMapOvr>
+  <p:timing>
+    <p:tnLst>
+      <p:par>
+        <p:cTn id="1" dur="indefinite" restart="never" nodeType="tmRoot"/>
+      </p:par>
+    </p:tnLst>
+  </p:timing>
 </p:sld>
 </file>
 
@@ -8832,6 +10032,13 @@
   <p:clrMapOvr>
     <a:masterClrMapping/>
   </p:clrMapOvr>
+  <p:timing>
+    <p:tnLst>
+      <p:par>
+        <p:cTn id="1" dur="indefinite" restart="never" nodeType="tmRoot"/>
+      </p:par>
+    </p:tnLst>
+  </p:timing>
 </p:sld>
 </file>
 
@@ -8890,7 +10097,7 @@
         <p:spPr/>
         <p:txBody>
           <a:bodyPr>
-            <a:normAutofit lnSpcReduction="10000"/>
+            <a:normAutofit fontScale="92500" lnSpcReduction="10000"/>
           </a:bodyPr>
           <a:lstStyle/>
           <a:p>
@@ -8961,7 +10168,13 @@
             <a:pPr lvl="1"/>
             <a:r>
               <a:rPr lang="en-US" dirty="0" smtClean="0"/>
-              <a:t>To avoid such situation we need to use fully qualified name. </a:t>
+              <a:t>To avoid such situation we need to use fully qualified name.</a:t>
+            </a:r>
+          </a:p>
+          <a:p>
+            <a:r>
+              <a:rPr lang="en-US" dirty="0" smtClean="0"/>
+              <a:t>We should aware of access modifiers too.  </a:t>
             </a:r>
           </a:p>
         </p:txBody>
@@ -8971,6 +10184,13 @@
   <p:clrMapOvr>
     <a:masterClrMapping/>
   </p:clrMapOvr>
+  <p:timing>
+    <p:tnLst>
+      <p:par>
+        <p:cTn id="1" dur="indefinite" restart="never" nodeType="tmRoot"/>
+      </p:par>
+    </p:tnLst>
+  </p:timing>
 </p:sld>
 </file>
 
@@ -9010,40 +10230,499 @@
           <a:p>
             <a:r>
               <a:rPr lang="en-US" dirty="0" smtClean="0"/>
-              <a:t>Simple Hello World Program </a:t>
-            </a:r>
-            <a:r>
-              <a:rPr lang="en-US" smtClean="0"/>
-              <a:t>with packages</a:t>
+              <a:t>Hello World Program with packages</a:t>
             </a:r>
             <a:endParaRPr lang="en-US" dirty="0"/>
+          </a:p>
+        </p:txBody>
+      </p:sp>
+      <p:grpSp>
+        <p:nvGrpSpPr>
+          <p:cNvPr id="34" name="Group 33"/>
+          <p:cNvGrpSpPr/>
+          <p:nvPr/>
+        </p:nvGrpSpPr>
+        <p:grpSpPr>
+          <a:xfrm>
+            <a:off x="381000" y="1676400"/>
+            <a:ext cx="8458200" cy="5029200"/>
+            <a:chOff x="381000" y="1676400"/>
+            <a:chExt cx="8458200" cy="5029200"/>
+          </a:xfrm>
+        </p:grpSpPr>
+        <p:pic>
+          <p:nvPicPr>
+            <p:cNvPr id="1026" name="Picture 2"/>
+            <p:cNvPicPr>
+              <a:picLocks noChangeAspect="1" noChangeArrowheads="1"/>
+            </p:cNvPicPr>
+            <p:nvPr/>
+          </p:nvPicPr>
+          <p:blipFill>
+            <a:blip r:embed="rId2" cstate="print"/>
+            <a:srcRect/>
+            <a:stretch>
+              <a:fillRect/>
+            </a:stretch>
+          </p:blipFill>
+          <p:spPr bwMode="auto">
+            <a:xfrm>
+              <a:off x="381000" y="1676400"/>
+              <a:ext cx="8324850" cy="3990975"/>
+            </a:xfrm>
+            <a:prstGeom prst="rect">
+              <a:avLst/>
+            </a:prstGeom>
+            <a:noFill/>
+            <a:ln w="9525">
+              <a:noFill/>
+              <a:miter lim="800000"/>
+              <a:headEnd/>
+              <a:tailEnd/>
+            </a:ln>
+          </p:spPr>
+        </p:pic>
+        <p:sp>
+          <p:nvSpPr>
+            <p:cNvPr id="5" name="Rectangle 4"/>
+            <p:cNvSpPr/>
+            <p:nvPr/>
+          </p:nvSpPr>
+          <p:spPr>
+            <a:xfrm>
+              <a:off x="1066800" y="1828800"/>
+              <a:ext cx="1905000" cy="304800"/>
+            </a:xfrm>
+            <a:prstGeom prst="rect">
+              <a:avLst/>
+            </a:prstGeom>
+            <a:solidFill>
+              <a:schemeClr val="lt1">
+                <a:alpha val="0"/>
+              </a:schemeClr>
+            </a:solidFill>
+          </p:spPr>
+          <p:style>
+            <a:lnRef idx="2">
+              <a:schemeClr val="accent6"/>
+            </a:lnRef>
+            <a:fillRef idx="1">
+              <a:schemeClr val="lt1"/>
+            </a:fillRef>
+            <a:effectRef idx="0">
+              <a:schemeClr val="accent6"/>
+            </a:effectRef>
+            <a:fontRef idx="minor">
+              <a:schemeClr val="dk1"/>
+            </a:fontRef>
+          </p:style>
+          <p:txBody>
+            <a:bodyPr rtlCol="0" anchor="ctr"/>
+            <a:lstStyle/>
+            <a:p>
+              <a:pPr algn="ctr"/>
+              <a:endParaRPr lang="en-US"/>
+            </a:p>
+          </p:txBody>
+        </p:sp>
+        <p:sp>
+          <p:nvSpPr>
+            <p:cNvPr id="6" name="Rectangle 5"/>
+            <p:cNvSpPr/>
+            <p:nvPr/>
+          </p:nvSpPr>
+          <p:spPr>
+            <a:xfrm>
+              <a:off x="4572000" y="1981200"/>
+              <a:ext cx="1905000" cy="533400"/>
+            </a:xfrm>
+            <a:prstGeom prst="rect">
+              <a:avLst/>
+            </a:prstGeom>
+          </p:spPr>
+          <p:style>
+            <a:lnRef idx="2">
+              <a:schemeClr val="accent1"/>
+            </a:lnRef>
+            <a:fillRef idx="1">
+              <a:schemeClr val="lt1"/>
+            </a:fillRef>
+            <a:effectRef idx="0">
+              <a:schemeClr val="accent1"/>
+            </a:effectRef>
+            <a:fontRef idx="minor">
+              <a:schemeClr val="dk1"/>
+            </a:fontRef>
+          </p:style>
+          <p:txBody>
+            <a:bodyPr rtlCol="0" anchor="ctr"/>
+            <a:lstStyle/>
+            <a:p>
+              <a:pPr algn="ctr"/>
+              <a:r>
+                <a:rPr lang="en-US" dirty="0" smtClean="0"/>
+                <a:t>Package statement</a:t>
+              </a:r>
+              <a:endParaRPr lang="en-US" dirty="0"/>
+            </a:p>
+          </p:txBody>
+        </p:sp>
+        <p:cxnSp>
+          <p:nvCxnSpPr>
+            <p:cNvPr id="8" name="Straight Arrow Connector 7"/>
+            <p:cNvCxnSpPr>
+              <a:stCxn id="6" idx="1"/>
+              <a:endCxn id="5" idx="3"/>
+            </p:cNvCxnSpPr>
+            <p:nvPr/>
+          </p:nvCxnSpPr>
+          <p:spPr>
+            <a:xfrm flipH="1" flipV="1">
+              <a:off x="2971800" y="1981200"/>
+              <a:ext cx="1600200" cy="266700"/>
+            </a:xfrm>
+            <a:prstGeom prst="straightConnector1">
+              <a:avLst/>
+            </a:prstGeom>
+            <a:ln>
+              <a:tailEnd type="arrow"/>
+            </a:ln>
+          </p:spPr>
+          <p:style>
+            <a:lnRef idx="2">
+              <a:schemeClr val="dk1"/>
+            </a:lnRef>
+            <a:fillRef idx="0">
+              <a:schemeClr val="dk1"/>
+            </a:fillRef>
+            <a:effectRef idx="1">
+              <a:schemeClr val="dk1"/>
+            </a:effectRef>
+            <a:fontRef idx="minor">
+              <a:schemeClr val="tx1"/>
+            </a:fontRef>
+          </p:style>
+        </p:cxnSp>
+        <p:sp>
+          <p:nvSpPr>
+            <p:cNvPr id="14" name="Rectangle 13"/>
+            <p:cNvSpPr/>
+            <p:nvPr/>
+          </p:nvSpPr>
+          <p:spPr>
+            <a:xfrm>
+              <a:off x="6553200" y="4191000"/>
+              <a:ext cx="1905000" cy="304800"/>
+            </a:xfrm>
+            <a:prstGeom prst="rect">
+              <a:avLst/>
+            </a:prstGeom>
+            <a:solidFill>
+              <a:schemeClr val="lt1">
+                <a:alpha val="0"/>
+              </a:schemeClr>
+            </a:solidFill>
+          </p:spPr>
+          <p:style>
+            <a:lnRef idx="2">
+              <a:schemeClr val="accent6"/>
+            </a:lnRef>
+            <a:fillRef idx="1">
+              <a:schemeClr val="lt1"/>
+            </a:fillRef>
+            <a:effectRef idx="0">
+              <a:schemeClr val="accent6"/>
+            </a:effectRef>
+            <a:fontRef idx="minor">
+              <a:schemeClr val="dk1"/>
+            </a:fontRef>
+          </p:style>
+          <p:txBody>
+            <a:bodyPr rtlCol="0" anchor="ctr"/>
+            <a:lstStyle/>
+            <a:p>
+              <a:pPr algn="ctr"/>
+              <a:endParaRPr lang="en-US"/>
+            </a:p>
+          </p:txBody>
+        </p:sp>
+        <p:sp>
+          <p:nvSpPr>
+            <p:cNvPr id="15" name="Rectangle 14"/>
+            <p:cNvSpPr/>
+            <p:nvPr/>
+          </p:nvSpPr>
+          <p:spPr>
+            <a:xfrm>
+              <a:off x="6934200" y="6172200"/>
+              <a:ext cx="1905000" cy="533400"/>
+            </a:xfrm>
+            <a:prstGeom prst="rect">
+              <a:avLst/>
+            </a:prstGeom>
+          </p:spPr>
+          <p:style>
+            <a:lnRef idx="2">
+              <a:schemeClr val="accent1"/>
+            </a:lnRef>
+            <a:fillRef idx="1">
+              <a:schemeClr val="lt1"/>
+            </a:fillRef>
+            <a:effectRef idx="0">
+              <a:schemeClr val="accent1"/>
+            </a:effectRef>
+            <a:fontRef idx="minor">
+              <a:schemeClr val="dk1"/>
+            </a:fontRef>
+          </p:style>
+          <p:txBody>
+            <a:bodyPr rtlCol="0" anchor="ctr"/>
+            <a:lstStyle/>
+            <a:p>
+              <a:pPr algn="ctr"/>
+              <a:r>
+                <a:rPr lang="en-US" dirty="0" smtClean="0"/>
+                <a:t>Compiling</a:t>
+              </a:r>
+              <a:endParaRPr lang="en-US" dirty="0"/>
+            </a:p>
+          </p:txBody>
+        </p:sp>
+        <p:sp>
+          <p:nvSpPr>
+            <p:cNvPr id="22" name="Rectangle 21"/>
+            <p:cNvSpPr/>
+            <p:nvPr/>
+          </p:nvSpPr>
+          <p:spPr>
+            <a:xfrm>
+              <a:off x="1219200" y="5715000"/>
+              <a:ext cx="3048000" cy="914400"/>
+            </a:xfrm>
+            <a:prstGeom prst="rect">
+              <a:avLst/>
+            </a:prstGeom>
+          </p:spPr>
+          <p:style>
+            <a:lnRef idx="2">
+              <a:schemeClr val="accent1"/>
+            </a:lnRef>
+            <a:fillRef idx="1">
+              <a:schemeClr val="lt1"/>
+            </a:fillRef>
+            <a:effectRef idx="0">
+              <a:schemeClr val="accent1"/>
+            </a:effectRef>
+            <a:fontRef idx="minor">
+              <a:schemeClr val="dk1"/>
+            </a:fontRef>
+          </p:style>
+          <p:txBody>
+            <a:bodyPr rtlCol="0" anchor="ctr"/>
+            <a:lstStyle/>
+            <a:p>
+              <a:r>
+                <a:rPr lang="en-US" b="1" i="1" dirty="0" smtClean="0"/>
+                <a:t>Options</a:t>
+              </a:r>
+            </a:p>
+            <a:p>
+              <a:r>
+                <a:rPr lang="en-US" dirty="0" smtClean="0"/>
+                <a:t>-d = directory</a:t>
+              </a:r>
+            </a:p>
+            <a:p>
+              <a:r>
+                <a:rPr lang="en-US" dirty="0" smtClean="0"/>
+                <a:t>. = current directory path</a:t>
+              </a:r>
+              <a:endParaRPr lang="en-US" dirty="0"/>
+            </a:p>
+          </p:txBody>
+        </p:sp>
+        <p:cxnSp>
+          <p:nvCxnSpPr>
+            <p:cNvPr id="25" name="Elbow Connector 24"/>
+            <p:cNvCxnSpPr>
+              <a:stCxn id="15" idx="3"/>
+              <a:endCxn id="14" idx="3"/>
+            </p:cNvCxnSpPr>
+            <p:nvPr/>
+          </p:nvCxnSpPr>
+          <p:spPr>
+            <a:xfrm flipH="1" flipV="1">
+              <a:off x="8458200" y="4343400"/>
+              <a:ext cx="381000" cy="2095500"/>
+            </a:xfrm>
+            <a:prstGeom prst="bentConnector3">
+              <a:avLst>
+                <a:gd name="adj1" fmla="val -60000"/>
+              </a:avLst>
+            </a:prstGeom>
+            <a:ln>
+              <a:tailEnd type="arrow"/>
+            </a:ln>
+          </p:spPr>
+          <p:style>
+            <a:lnRef idx="2">
+              <a:schemeClr val="dk1"/>
+            </a:lnRef>
+            <a:fillRef idx="0">
+              <a:schemeClr val="dk1"/>
+            </a:fillRef>
+            <a:effectRef idx="1">
+              <a:schemeClr val="dk1"/>
+            </a:effectRef>
+            <a:fontRef idx="minor">
+              <a:schemeClr val="tx1"/>
+            </a:fontRef>
+          </p:style>
+        </p:cxnSp>
+      </p:grpSp>
+      <p:sp>
+        <p:nvSpPr>
+          <p:cNvPr id="28" name="Rectangle 27"/>
+          <p:cNvSpPr/>
+          <p:nvPr/>
+        </p:nvSpPr>
+        <p:spPr>
+          <a:xfrm>
+            <a:off x="4495800" y="6172200"/>
+            <a:ext cx="2133600" cy="533400"/>
+          </a:xfrm>
+          <a:prstGeom prst="rect">
+            <a:avLst/>
+          </a:prstGeom>
+        </p:spPr>
+        <p:style>
+          <a:lnRef idx="2">
+            <a:schemeClr val="accent1"/>
+          </a:lnRef>
+          <a:fillRef idx="1">
+            <a:schemeClr val="lt1"/>
+          </a:fillRef>
+          <a:effectRef idx="0">
+            <a:schemeClr val="accent1"/>
+          </a:effectRef>
+          <a:fontRef idx="minor">
+            <a:schemeClr val="dk1"/>
+          </a:fontRef>
+        </p:style>
+        <p:txBody>
+          <a:bodyPr rtlCol="0" anchor="ctr"/>
+          <a:lstStyle/>
+          <a:p>
+            <a:r>
+              <a:rPr lang="en-US" dirty="0" smtClean="0">
+                <a:solidFill>
+                  <a:srgbClr val="FF0000"/>
+                </a:solidFill>
+              </a:rPr>
+              <a:t>Fully Qualified Class Name</a:t>
+            </a:r>
+            <a:endParaRPr lang="en-US" dirty="0">
+              <a:solidFill>
+                <a:srgbClr val="FF0000"/>
+              </a:solidFill>
+            </a:endParaRPr>
           </a:p>
         </p:txBody>
       </p:sp>
       <p:sp>
         <p:nvSpPr>
-          <p:cNvPr id="3" name="Content Placeholder 2"/>
-          <p:cNvSpPr>
-            <a:spLocks noGrp="1"/>
-          </p:cNvSpPr>
-          <p:nvPr>
-            <p:ph idx="1"/>
-          </p:nvPr>
+          <p:cNvPr id="29" name="Rectangle 28"/>
+          <p:cNvSpPr/>
+          <p:nvPr/>
         </p:nvSpPr>
-        <p:spPr/>
+        <p:spPr>
+          <a:xfrm>
+            <a:off x="6934200" y="4572000"/>
+            <a:ext cx="1066800" cy="228600"/>
+          </a:xfrm>
+          <a:prstGeom prst="rect">
+            <a:avLst/>
+          </a:prstGeom>
+          <a:solidFill>
+            <a:schemeClr val="lt1">
+              <a:alpha val="0"/>
+            </a:schemeClr>
+          </a:solidFill>
+        </p:spPr>
+        <p:style>
+          <a:lnRef idx="2">
+            <a:schemeClr val="accent6"/>
+          </a:lnRef>
+          <a:fillRef idx="1">
+            <a:schemeClr val="lt1"/>
+          </a:fillRef>
+          <a:effectRef idx="0">
+            <a:schemeClr val="accent6"/>
+          </a:effectRef>
+          <a:fontRef idx="minor">
+            <a:schemeClr val="dk1"/>
+          </a:fontRef>
+        </p:style>
         <p:txBody>
-          <a:bodyPr/>
+          <a:bodyPr rtlCol="0" anchor="ctr"/>
           <a:lstStyle/>
           <a:p>
+            <a:pPr algn="ctr"/>
             <a:endParaRPr lang="en-US"/>
           </a:p>
         </p:txBody>
       </p:sp>
+      <p:cxnSp>
+        <p:nvCxnSpPr>
+          <p:cNvPr id="31" name="Shape 30"/>
+          <p:cNvCxnSpPr>
+            <a:stCxn id="28" idx="0"/>
+            <a:endCxn id="29" idx="3"/>
+          </p:cNvCxnSpPr>
+          <p:nvPr/>
+        </p:nvCxnSpPr>
+        <p:spPr>
+          <a:xfrm rot="5400000" flipH="1" flipV="1">
+            <a:off x="6038850" y="4210050"/>
+            <a:ext cx="1485900" cy="2438400"/>
+          </a:xfrm>
+          <a:prstGeom prst="bentConnector4">
+            <a:avLst>
+              <a:gd name="adj1" fmla="val 46154"/>
+              <a:gd name="adj2" fmla="val 109375"/>
+            </a:avLst>
+          </a:prstGeom>
+          <a:ln>
+            <a:tailEnd type="arrow"/>
+          </a:ln>
+        </p:spPr>
+        <p:style>
+          <a:lnRef idx="2">
+            <a:schemeClr val="dk1"/>
+          </a:lnRef>
+          <a:fillRef idx="0">
+            <a:schemeClr val="dk1"/>
+          </a:fillRef>
+          <a:effectRef idx="1">
+            <a:schemeClr val="dk1"/>
+          </a:effectRef>
+          <a:fontRef idx="minor">
+            <a:schemeClr val="tx1"/>
+          </a:fontRef>
+        </p:style>
+      </p:cxnSp>
     </p:spTree>
   </p:cSld>
   <p:clrMapOvr>
     <a:masterClrMapping/>
   </p:clrMapOvr>
+  <p:timing>
+    <p:tnLst>
+      <p:par>
+        <p:cTn id="1" dur="indefinite" restart="never" nodeType="tmRoot"/>
+      </p:par>
+    </p:tnLst>
+  </p:timing>
 </p:sld>
 </file>
 
